--- a/DataRe-Analysis/Figures/Figure4_07-16-15_v1.pptx
+++ b/DataRe-Analysis/Figures/Figure4_07-16-15_v1.pptx
@@ -3402,7 +3402,7 @@
           <p:nvPr>
             <p:extLst>
               <p:ext uri="{D42A27DB-BD31-4B8C-83A1-F6EECF244321}">
-                <p14:modId xmlns:p14="http://schemas.microsoft.com/office/powerpoint/2010/main" val="2397362813"/>
+                <p14:modId xmlns:p14="http://schemas.microsoft.com/office/powerpoint/2010/main" val="3928070192"/>
               </p:ext>
             </p:extLst>
           </p:nvPr>
